--- a/final/Endpräsentation_C3.pptx
+++ b/final/Endpräsentation_C3.pptx
@@ -10,6 +10,7 @@
     <p:sldId id="257" r:id="rId4"/>
     <p:sldId id="258" r:id="rId5"/>
     <p:sldId id="260" r:id="rId6"/>
+    <p:sldId id="261" r:id="rId7"/>
   </p:sldIdLst>
   <p:sldSz cx="12192000" cy="6858000"/>
   <p:notesSz cx="6858000" cy="9144000"/>
@@ -108,6 +109,11 @@
       </a:defRPr>
     </a:lvl9pPr>
   </p:defaultTextStyle>
+  <p:extLst>
+    <p:ext uri="{EFAFB233-063F-42B5-8137-9DF3F51BA10A}">
+      <p15:sldGuideLst xmlns:p15="http://schemas.microsoft.com/office/powerpoint/2012/main"/>
+    </p:ext>
+  </p:extLst>
 </p:presentation>
 </file>
 
@@ -4295,7 +4301,9 @@
         </p:nvSpPr>
         <p:spPr/>
         <p:txBody>
-          <a:bodyPr/>
+          <a:bodyPr>
+            <a:normAutofit/>
+          </a:bodyPr>
           <a:lstStyle/>
           <a:p>
             <a:r>
@@ -4350,7 +4358,51 @@
             <a:pPr lvl="1"/>
             <a:r>
               <a:rPr lang="en-US" dirty="0"/>
-              <a:t>What indexing is useful, and how do we enable											 </a:t>
+              <a:t>What indexing is useful, and how do we make the results human-readable?</a:t>
+            </a:r>
+          </a:p>
+          <a:p>
+            <a:pPr lvl="2"/>
+            <a:r>
+              <a:rPr lang="en-US" dirty="0"/>
+              <a:t>We use a </a:t>
+            </a:r>
+            <a:r>
+              <a:rPr lang="en-US" dirty="0" err="1"/>
+              <a:t>Matlab</a:t>
+            </a:r>
+            <a:r>
+              <a:rPr lang="en-US" dirty="0"/>
+              <a:t> struct for the data, which is being transformed into a .json format</a:t>
+            </a:r>
+          </a:p>
+          <a:p>
+            <a:pPr lvl="2"/>
+            <a:r>
+              <a:rPr lang="en-US" dirty="0"/>
+              <a:t>Additionally the labels and words are sorted from top left to bottom right</a:t>
+            </a:r>
+          </a:p>
+          <a:p>
+            <a:pPr lvl="1"/>
+            <a:r>
+              <a:rPr lang="en-US" dirty="0"/>
+              <a:t>Which pre-processing do we need for the OCR to work properly?</a:t>
+            </a:r>
+          </a:p>
+          <a:p>
+            <a:pPr lvl="2"/>
+            <a:r>
+              <a:rPr lang="en-US" dirty="0"/>
+              <a:t>Binarizing, Dilation, </a:t>
+            </a:r>
+            <a:r>
+              <a:rPr lang="en-US" dirty="0" err="1"/>
+              <a:t>Regionprops</a:t>
+            </a:r>
+            <a:r>
+              <a:rPr lang="en-US" dirty="0"/>
+              <a:t>, Slicing, Segmentation into Patches/Blobs											 </a:t>
             </a:r>
           </a:p>
         </p:txBody>
@@ -4359,6 +4411,92 @@
     <p:extLst>
       <p:ext uri="{BB962C8B-B14F-4D97-AF65-F5344CB8AC3E}">
         <p14:creationId xmlns:p14="http://schemas.microsoft.com/office/powerpoint/2010/main" val="829125929"/>
+      </p:ext>
+    </p:extLst>
+  </p:cSld>
+  <p:clrMapOvr>
+    <a:masterClrMapping/>
+  </p:clrMapOvr>
+</p:sld>
+</file>
+
+<file path=ppt/slides/slide6.xml><?xml version="1.0" encoding="utf-8"?>
+<p:sld xmlns:a="http://schemas.openxmlformats.org/drawingml/2006/main" xmlns:r="http://schemas.openxmlformats.org/officeDocument/2006/relationships" xmlns:p="http://schemas.openxmlformats.org/presentationml/2006/main">
+  <p:cSld>
+    <p:spTree>
+      <p:nvGrpSpPr>
+        <p:cNvPr id="1" name=""/>
+        <p:cNvGrpSpPr/>
+        <p:nvPr/>
+      </p:nvGrpSpPr>
+      <p:grpSpPr>
+        <a:xfrm>
+          <a:off x="0" y="0"/>
+          <a:ext cx="0" cy="0"/>
+          <a:chOff x="0" y="0"/>
+          <a:chExt cx="0" cy="0"/>
+        </a:xfrm>
+      </p:grpSpPr>
+      <p:sp>
+        <p:nvSpPr>
+          <p:cNvPr id="2" name="Titel 1">
+            <a:extLst>
+              <a:ext uri="{FF2B5EF4-FFF2-40B4-BE49-F238E27FC236}">
+                <a16:creationId xmlns:a16="http://schemas.microsoft.com/office/drawing/2014/main" id="{A1B8E48B-8021-4864-92AF-BEAAABF61565}"/>
+              </a:ext>
+            </a:extLst>
+          </p:cNvPr>
+          <p:cNvSpPr>
+            <a:spLocks noGrp="1"/>
+          </p:cNvSpPr>
+          <p:nvPr>
+            <p:ph type="title"/>
+          </p:nvPr>
+        </p:nvSpPr>
+        <p:spPr/>
+        <p:txBody>
+          <a:bodyPr/>
+          <a:lstStyle/>
+          <a:p>
+            <a:r>
+              <a:rPr lang="en-US" dirty="0"/>
+              <a:t>Evaluation</a:t>
+            </a:r>
+          </a:p>
+        </p:txBody>
+      </p:sp>
+      <p:sp>
+        <p:nvSpPr>
+          <p:cNvPr id="3" name="Inhaltsplatzhalter 2">
+            <a:extLst>
+              <a:ext uri="{FF2B5EF4-FFF2-40B4-BE49-F238E27FC236}">
+                <a16:creationId xmlns:a16="http://schemas.microsoft.com/office/drawing/2014/main" id="{78591A98-9850-4E37-9812-6556259C002C}"/>
+              </a:ext>
+            </a:extLst>
+          </p:cNvPr>
+          <p:cNvSpPr>
+            <a:spLocks noGrp="1"/>
+          </p:cNvSpPr>
+          <p:nvPr>
+            <p:ph idx="1"/>
+          </p:nvPr>
+        </p:nvSpPr>
+        <p:spPr/>
+        <p:txBody>
+          <a:bodyPr/>
+          <a:lstStyle/>
+          <a:p>
+            <a:r>
+              <a:rPr lang="en-US"/>
+              <a:t>Quantitative</a:t>
+            </a:r>
+          </a:p>
+        </p:txBody>
+      </p:sp>
+    </p:spTree>
+    <p:extLst>
+      <p:ext uri="{BB962C8B-B14F-4D97-AF65-F5344CB8AC3E}">
+        <p14:creationId xmlns:p14="http://schemas.microsoft.com/office/powerpoint/2010/main" val="1486095292"/>
       </p:ext>
     </p:extLst>
   </p:cSld>

--- a/final/Endpräsentation_C3.pptx
+++ b/final/Endpräsentation_C3.pptx
@@ -11,6 +11,8 @@
     <p:sldId id="258" r:id="rId5"/>
     <p:sldId id="260" r:id="rId6"/>
     <p:sldId id="261" r:id="rId7"/>
+    <p:sldId id="262" r:id="rId8"/>
+    <p:sldId id="263" r:id="rId9"/>
   </p:sldIdLst>
   <p:sldSz cx="12192000" cy="6858000"/>
   <p:notesSz cx="6858000" cy="9144000"/>
@@ -4487,9 +4489,83 @@
           <a:lstStyle/>
           <a:p>
             <a:r>
-              <a:rPr lang="en-US"/>
+              <a:rPr lang="en-US" dirty="0"/>
               <a:t>Quantitative</a:t>
             </a:r>
+          </a:p>
+          <a:p>
+            <a:pPr lvl="1"/>
+            <a:r>
+              <a:rPr lang="en-US" dirty="0"/>
+              <a:t>How many books/labels do we recognize in average?</a:t>
+            </a:r>
+          </a:p>
+          <a:p>
+            <a:pPr lvl="2"/>
+            <a:r>
+              <a:rPr lang="en-US" dirty="0"/>
+              <a:t>About ~80%</a:t>
+            </a:r>
+          </a:p>
+          <a:p>
+            <a:pPr lvl="1"/>
+            <a:r>
+              <a:rPr lang="de-DE" dirty="0"/>
+              <a:t>Welche Auflösung ist notwendig, um akzeptable Ergebnisse zu erzielen?</a:t>
+            </a:r>
+          </a:p>
+          <a:p>
+            <a:pPr lvl="2"/>
+            <a:r>
+              <a:rPr lang="en-US" dirty="0"/>
+              <a:t>3024x2432 minimum</a:t>
+            </a:r>
+          </a:p>
+          <a:p>
+            <a:pPr lvl="1"/>
+            <a:r>
+              <a:rPr lang="en-US" dirty="0"/>
+              <a:t>How does the tilting of the image affect the label detection</a:t>
+            </a:r>
+          </a:p>
+          <a:p>
+            <a:pPr lvl="2"/>
+            <a:r>
+              <a:rPr lang="en-US" dirty="0"/>
+              <a:t>Through image straightening we ensure, that there are only minimal changes in the OCR</a:t>
+            </a:r>
+          </a:p>
+          <a:p>
+            <a:pPr lvl="2"/>
+            <a:r>
+              <a:rPr lang="en-US" dirty="0"/>
+              <a:t>The more tilting there is the better the resolution must be</a:t>
+            </a:r>
+          </a:p>
+          <a:p>
+            <a:pPr lvl="1"/>
+            <a:r>
+              <a:rPr lang="en-US" dirty="0"/>
+              <a:t>How does the degree of fullness of the shelves affect the label detection</a:t>
+            </a:r>
+          </a:p>
+          <a:p>
+            <a:pPr lvl="2"/>
+            <a:r>
+              <a:rPr lang="en-US" dirty="0"/>
+              <a:t>Less background is good as we get less false positives</a:t>
+            </a:r>
+          </a:p>
+          <a:p>
+            <a:pPr lvl="2"/>
+            <a:r>
+              <a:rPr lang="en-US" dirty="0"/>
+              <a:t>Thin books could be seen as one big label</a:t>
+            </a:r>
+          </a:p>
+          <a:p>
+            <a:pPr lvl="1"/>
+            <a:endParaRPr lang="en-US" dirty="0"/>
           </a:p>
         </p:txBody>
       </p:sp>
@@ -4497,6 +4573,299 @@
     <p:extLst>
       <p:ext uri="{BB962C8B-B14F-4D97-AF65-F5344CB8AC3E}">
         <p14:creationId xmlns:p14="http://schemas.microsoft.com/office/powerpoint/2010/main" val="1486095292"/>
+      </p:ext>
+    </p:extLst>
+  </p:cSld>
+  <p:clrMapOvr>
+    <a:masterClrMapping/>
+  </p:clrMapOvr>
+</p:sld>
+</file>
+
+<file path=ppt/slides/slide7.xml><?xml version="1.0" encoding="utf-8"?>
+<p:sld xmlns:a="http://schemas.openxmlformats.org/drawingml/2006/main" xmlns:r="http://schemas.openxmlformats.org/officeDocument/2006/relationships" xmlns:p="http://schemas.openxmlformats.org/presentationml/2006/main">
+  <p:cSld>
+    <p:spTree>
+      <p:nvGrpSpPr>
+        <p:cNvPr id="1" name=""/>
+        <p:cNvGrpSpPr/>
+        <p:nvPr/>
+      </p:nvGrpSpPr>
+      <p:grpSpPr>
+        <a:xfrm>
+          <a:off x="0" y="0"/>
+          <a:ext cx="0" cy="0"/>
+          <a:chOff x="0" y="0"/>
+          <a:chExt cx="0" cy="0"/>
+        </a:xfrm>
+      </p:grpSpPr>
+      <p:sp>
+        <p:nvSpPr>
+          <p:cNvPr id="2" name="Titel 1">
+            <a:extLst>
+              <a:ext uri="{FF2B5EF4-FFF2-40B4-BE49-F238E27FC236}">
+                <a16:creationId xmlns:a16="http://schemas.microsoft.com/office/drawing/2014/main" id="{4BDA712C-E3B0-4C59-9B72-1B552491B244}"/>
+              </a:ext>
+            </a:extLst>
+          </p:cNvPr>
+          <p:cNvSpPr>
+            <a:spLocks noGrp="1"/>
+          </p:cNvSpPr>
+          <p:nvPr>
+            <p:ph type="title"/>
+          </p:nvPr>
+        </p:nvSpPr>
+        <p:spPr/>
+        <p:txBody>
+          <a:bodyPr/>
+          <a:lstStyle/>
+          <a:p>
+            <a:r>
+              <a:rPr lang="en-US" dirty="0"/>
+              <a:t>Result </a:t>
+            </a:r>
+          </a:p>
+        </p:txBody>
+      </p:sp>
+      <p:sp>
+        <p:nvSpPr>
+          <p:cNvPr id="3" name="Inhaltsplatzhalter 2">
+            <a:extLst>
+              <a:ext uri="{FF2B5EF4-FFF2-40B4-BE49-F238E27FC236}">
+                <a16:creationId xmlns:a16="http://schemas.microsoft.com/office/drawing/2014/main" id="{2FC71535-36B2-43A7-A039-D407ADFB528A}"/>
+              </a:ext>
+            </a:extLst>
+          </p:cNvPr>
+          <p:cNvSpPr>
+            <a:spLocks noGrp="1"/>
+          </p:cNvSpPr>
+          <p:nvPr>
+            <p:ph idx="1"/>
+          </p:nvPr>
+        </p:nvSpPr>
+        <p:spPr/>
+        <p:txBody>
+          <a:bodyPr>
+            <a:normAutofit fontScale="70000" lnSpcReduction="20000"/>
+          </a:bodyPr>
+          <a:lstStyle/>
+          <a:p>
+            <a:r>
+              <a:rPr lang="en-US" dirty="0"/>
+              <a:t>Used Dataset:</a:t>
+            </a:r>
+          </a:p>
+          <a:p>
+            <a:endParaRPr lang="en-US" dirty="0"/>
+          </a:p>
+          <a:p>
+            <a:endParaRPr lang="en-US" dirty="0"/>
+          </a:p>
+          <a:p>
+            <a:r>
+              <a:rPr lang="en-US" dirty="0"/>
+              <a:t>One of the labels detected: </a:t>
+            </a:r>
+          </a:p>
+          <a:p>
+            <a:endParaRPr lang="en-US" dirty="0"/>
+          </a:p>
+          <a:p>
+            <a:endParaRPr lang="en-US" dirty="0"/>
+          </a:p>
+          <a:p>
+            <a:endParaRPr lang="en-US" dirty="0"/>
+          </a:p>
+          <a:p>
+            <a:endParaRPr lang="en-US" dirty="0"/>
+          </a:p>
+          <a:p>
+            <a:endParaRPr lang="en-US" dirty="0"/>
+          </a:p>
+          <a:p>
+            <a:r>
+              <a:rPr lang="en-US" dirty="0"/>
+              <a:t>Result in json:</a:t>
+            </a:r>
+          </a:p>
+          <a:p>
+            <a:pPr marL="0" indent="0">
+              <a:buNone/>
+            </a:pPr>
+            <a:r>
+              <a:rPr lang="en-US" dirty="0"/>
+              <a:t>	 </a:t>
+            </a:r>
+            <a:r>
+              <a:rPr lang="en-GB" dirty="0"/>
+              <a:t>{"wordOne":"BAU","wordTwo":"107","author":"SCHNLTDL","bounds":[3428,2462,3603,2727]},</a:t>
+            </a:r>
+            <a:br>
+              <a:rPr lang="en-GB" dirty="0"/>
+            </a:br>
+            <a:endParaRPr lang="en-US" dirty="0"/>
+          </a:p>
+        </p:txBody>
+      </p:sp>
+      <p:pic>
+        <p:nvPicPr>
+          <p:cNvPr id="5" name="Grafik 4" descr="Ein Bild, das Regal, sitzend, Bibliothek, Buch enthält.&#10;&#10;Automatisch generierte Beschreibung">
+            <a:extLst>
+              <a:ext uri="{FF2B5EF4-FFF2-40B4-BE49-F238E27FC236}">
+                <a16:creationId xmlns:a16="http://schemas.microsoft.com/office/drawing/2014/main" id="{DAD1F5C2-D31A-497A-88B1-738A7CF55AB8}"/>
+              </a:ext>
+            </a:extLst>
+          </p:cNvPr>
+          <p:cNvPicPr>
+            <a:picLocks noChangeAspect="1"/>
+          </p:cNvPicPr>
+          <p:nvPr/>
+        </p:nvPicPr>
+        <p:blipFill>
+          <a:blip r:embed="rId2">
+            <a:extLst>
+              <a:ext uri="{28A0092B-C50C-407E-A947-70E740481C1C}">
+                <a14:useLocalDpi xmlns:a14="http://schemas.microsoft.com/office/drawing/2010/main" val="0"/>
+              </a:ext>
+            </a:extLst>
+          </a:blip>
+          <a:stretch>
+            <a:fillRect/>
+          </a:stretch>
+        </p:blipFill>
+        <p:spPr>
+          <a:xfrm>
+            <a:off x="4229878" y="1378190"/>
+            <a:ext cx="1954255" cy="1465691"/>
+          </a:xfrm>
+          <a:prstGeom prst="rect">
+            <a:avLst/>
+          </a:prstGeom>
+        </p:spPr>
+      </p:pic>
+      <p:pic>
+        <p:nvPicPr>
+          <p:cNvPr id="7" name="Grafik 6">
+            <a:extLst>
+              <a:ext uri="{FF2B5EF4-FFF2-40B4-BE49-F238E27FC236}">
+                <a16:creationId xmlns:a16="http://schemas.microsoft.com/office/drawing/2014/main" id="{493C3D6E-4178-461E-A4BF-489211A4BCA3}"/>
+              </a:ext>
+            </a:extLst>
+          </p:cNvPr>
+          <p:cNvPicPr>
+            <a:picLocks noChangeAspect="1"/>
+          </p:cNvPicPr>
+          <p:nvPr/>
+        </p:nvPicPr>
+        <p:blipFill>
+          <a:blip r:embed="rId3">
+            <a:extLst>
+              <a:ext uri="{28A0092B-C50C-407E-A947-70E740481C1C}">
+                <a14:useLocalDpi xmlns:a14="http://schemas.microsoft.com/office/drawing/2010/main" val="0"/>
+              </a:ext>
+            </a:extLst>
+          </a:blip>
+          <a:stretch>
+            <a:fillRect/>
+          </a:stretch>
+        </p:blipFill>
+        <p:spPr>
+          <a:xfrm>
+            <a:off x="4229878" y="3235828"/>
+            <a:ext cx="1388569" cy="1816343"/>
+          </a:xfrm>
+          <a:prstGeom prst="rect">
+            <a:avLst/>
+          </a:prstGeom>
+        </p:spPr>
+      </p:pic>
+    </p:spTree>
+    <p:extLst>
+      <p:ext uri="{BB962C8B-B14F-4D97-AF65-F5344CB8AC3E}">
+        <p14:creationId xmlns:p14="http://schemas.microsoft.com/office/powerpoint/2010/main" val="3801265517"/>
+      </p:ext>
+    </p:extLst>
+  </p:cSld>
+  <p:clrMapOvr>
+    <a:masterClrMapping/>
+  </p:clrMapOvr>
+</p:sld>
+</file>
+
+<file path=ppt/slides/slide8.xml><?xml version="1.0" encoding="utf-8"?>
+<p:sld xmlns:a="http://schemas.openxmlformats.org/drawingml/2006/main" xmlns:r="http://schemas.openxmlformats.org/officeDocument/2006/relationships" xmlns:p="http://schemas.openxmlformats.org/presentationml/2006/main">
+  <p:cSld>
+    <p:spTree>
+      <p:nvGrpSpPr>
+        <p:cNvPr id="1" name=""/>
+        <p:cNvGrpSpPr/>
+        <p:nvPr/>
+      </p:nvGrpSpPr>
+      <p:grpSpPr>
+        <a:xfrm>
+          <a:off x="0" y="0"/>
+          <a:ext cx="0" cy="0"/>
+          <a:chOff x="0" y="0"/>
+          <a:chExt cx="0" cy="0"/>
+        </a:xfrm>
+      </p:grpSpPr>
+      <p:sp>
+        <p:nvSpPr>
+          <p:cNvPr id="4" name="Titel 3">
+            <a:extLst>
+              <a:ext uri="{FF2B5EF4-FFF2-40B4-BE49-F238E27FC236}">
+                <a16:creationId xmlns:a16="http://schemas.microsoft.com/office/drawing/2014/main" id="{E1DFDB2C-8C9C-401F-92F4-8A1B7758AC8D}"/>
+              </a:ext>
+            </a:extLst>
+          </p:cNvPr>
+          <p:cNvSpPr>
+            <a:spLocks noGrp="1"/>
+          </p:cNvSpPr>
+          <p:nvPr>
+            <p:ph type="ctrTitle"/>
+          </p:nvPr>
+        </p:nvSpPr>
+        <p:spPr/>
+        <p:txBody>
+          <a:bodyPr/>
+          <a:lstStyle/>
+          <a:p>
+            <a:r>
+              <a:rPr lang="en-US" dirty="0"/>
+              <a:t>THANKS FOR LISTENING</a:t>
+            </a:r>
+          </a:p>
+        </p:txBody>
+      </p:sp>
+      <p:sp>
+        <p:nvSpPr>
+          <p:cNvPr id="5" name="Untertitel 4">
+            <a:extLst>
+              <a:ext uri="{FF2B5EF4-FFF2-40B4-BE49-F238E27FC236}">
+                <a16:creationId xmlns:a16="http://schemas.microsoft.com/office/drawing/2014/main" id="{DE42BC0F-CD61-4E3A-AFAD-CAC017F4A53D}"/>
+              </a:ext>
+            </a:extLst>
+          </p:cNvPr>
+          <p:cNvSpPr>
+            <a:spLocks noGrp="1"/>
+          </p:cNvSpPr>
+          <p:nvPr>
+            <p:ph type="subTitle" idx="1"/>
+          </p:nvPr>
+        </p:nvSpPr>
+        <p:spPr/>
+        <p:txBody>
+          <a:bodyPr/>
+          <a:lstStyle/>
+          <a:p>
+            <a:endParaRPr lang="en-US" dirty="0"/>
+          </a:p>
+        </p:txBody>
+      </p:sp>
+    </p:spTree>
+    <p:extLst>
+      <p:ext uri="{BB962C8B-B14F-4D97-AF65-F5344CB8AC3E}">
+        <p14:creationId xmlns:p14="http://schemas.microsoft.com/office/powerpoint/2010/main" val="322903467"/>
       </p:ext>
     </p:extLst>
   </p:cSld>

--- a/final/Endpräsentation_C3.pptx
+++ b/final/Endpräsentation_C3.pptx
@@ -4517,8 +4517,28 @@
           <a:p>
             <a:pPr lvl="2"/>
             <a:r>
-              <a:rPr lang="en-US" dirty="0"/>
-              <a:t>3024x2432 minimum</a:t>
+              <a:rPr lang="en-US" dirty="0" err="1"/>
+              <a:t>Hängt</a:t>
+            </a:r>
+            <a:r>
+              <a:rPr lang="en-US" dirty="0"/>
+              <a:t> von der </a:t>
+            </a:r>
+            <a:r>
+              <a:rPr lang="en-US" dirty="0" err="1"/>
+              <a:t>Entfernung</a:t>
+            </a:r>
+            <a:r>
+              <a:rPr lang="en-US" dirty="0"/>
+              <a:t> </a:t>
+            </a:r>
+            <a:r>
+              <a:rPr lang="en-US" dirty="0" err="1"/>
+              <a:t>zu</a:t>
+            </a:r>
+            <a:r>
+              <a:rPr lang="en-US" dirty="0"/>
+              <a:t> den Labels ab</a:t>
             </a:r>
           </a:p>
           <a:p>
